--- a/Защита/Презентация.pptx
+++ b/Защита/Презентация.pptx
@@ -11,6 +11,7 @@
     <p:sldId id="259" r:id="rId5"/>
     <p:sldId id="260" r:id="rId6"/>
     <p:sldId id="261" r:id="rId7"/>
+    <p:sldId id="262" r:id="rId8"/>
   </p:sldIdLst>
   <p:sldSz cx="12192000" cy="6858000"/>
   <p:notesSz cx="6858000" cy="9144000"/>
@@ -308,7 +309,7 @@
           <a:p>
             <a:fld id="{C6799266-992B-4A9C-BFA1-9317552414F5}" type="datetimeFigureOut">
               <a:rPr lang="ru-RU" smtClean="0"/>
-              <a:t>15.01.2023</a:t>
+              <a:t>24.01.2023</a:t>
             </a:fld>
             <a:endParaRPr lang="ru-RU"/>
           </a:p>
@@ -744,7 +745,7 @@
           <a:p>
             <a:fld id="{C6799266-992B-4A9C-BFA1-9317552414F5}" type="datetimeFigureOut">
               <a:rPr lang="ru-RU" smtClean="0"/>
-              <a:t>15.01.2023</a:t>
+              <a:t>24.01.2023</a:t>
             </a:fld>
             <a:endParaRPr lang="ru-RU"/>
           </a:p>
@@ -994,7 +995,7 @@
           <a:p>
             <a:fld id="{C6799266-992B-4A9C-BFA1-9317552414F5}" type="datetimeFigureOut">
               <a:rPr lang="ru-RU" smtClean="0"/>
-              <a:t>15.01.2023</a:t>
+              <a:t>24.01.2023</a:t>
             </a:fld>
             <a:endParaRPr lang="ru-RU"/>
           </a:p>
@@ -1302,7 +1303,7 @@
           <a:p>
             <a:fld id="{C6799266-992B-4A9C-BFA1-9317552414F5}" type="datetimeFigureOut">
               <a:rPr lang="ru-RU" smtClean="0"/>
-              <a:t>15.01.2023</a:t>
+              <a:t>24.01.2023</a:t>
             </a:fld>
             <a:endParaRPr lang="ru-RU"/>
           </a:p>
@@ -1620,7 +1621,7 @@
           <a:p>
             <a:fld id="{C6799266-992B-4A9C-BFA1-9317552414F5}" type="datetimeFigureOut">
               <a:rPr lang="ru-RU" smtClean="0"/>
-              <a:t>15.01.2023</a:t>
+              <a:t>24.01.2023</a:t>
             </a:fld>
             <a:endParaRPr lang="ru-RU"/>
           </a:p>
@@ -1922,7 +1923,7 @@
           <a:p>
             <a:fld id="{C6799266-992B-4A9C-BFA1-9317552414F5}" type="datetimeFigureOut">
               <a:rPr lang="ru-RU" smtClean="0"/>
-              <a:t>15.01.2023</a:t>
+              <a:t>24.01.2023</a:t>
             </a:fld>
             <a:endParaRPr lang="ru-RU"/>
           </a:p>
@@ -2289,7 +2290,7 @@
           <a:p>
             <a:fld id="{C6799266-992B-4A9C-BFA1-9317552414F5}" type="datetimeFigureOut">
               <a:rPr lang="ru-RU" smtClean="0"/>
-              <a:t>15.01.2023</a:t>
+              <a:t>24.01.2023</a:t>
             </a:fld>
             <a:endParaRPr lang="ru-RU"/>
           </a:p>
@@ -2463,7 +2464,7 @@
           <a:p>
             <a:fld id="{C6799266-992B-4A9C-BFA1-9317552414F5}" type="datetimeFigureOut">
               <a:rPr lang="ru-RU" smtClean="0"/>
-              <a:t>15.01.2023</a:t>
+              <a:t>24.01.2023</a:t>
             </a:fld>
             <a:endParaRPr lang="ru-RU"/>
           </a:p>
@@ -2643,7 +2644,7 @@
           <a:p>
             <a:fld id="{C6799266-992B-4A9C-BFA1-9317552414F5}" type="datetimeFigureOut">
               <a:rPr lang="ru-RU" smtClean="0"/>
-              <a:t>15.01.2023</a:t>
+              <a:t>24.01.2023</a:t>
             </a:fld>
             <a:endParaRPr lang="ru-RU"/>
           </a:p>
@@ -2813,7 +2814,7 @@
           <a:p>
             <a:fld id="{C6799266-992B-4A9C-BFA1-9317552414F5}" type="datetimeFigureOut">
               <a:rPr lang="ru-RU" smtClean="0"/>
-              <a:t>15.01.2023</a:t>
+              <a:t>24.01.2023</a:t>
             </a:fld>
             <a:endParaRPr lang="ru-RU"/>
           </a:p>
@@ -3063,7 +3064,7 @@
           <a:p>
             <a:fld id="{C6799266-992B-4A9C-BFA1-9317552414F5}" type="datetimeFigureOut">
               <a:rPr lang="ru-RU" smtClean="0"/>
-              <a:t>15.01.2023</a:t>
+              <a:t>24.01.2023</a:t>
             </a:fld>
             <a:endParaRPr lang="ru-RU"/>
           </a:p>
@@ -3299,7 +3300,7 @@
           <a:p>
             <a:fld id="{C6799266-992B-4A9C-BFA1-9317552414F5}" type="datetimeFigureOut">
               <a:rPr lang="ru-RU" smtClean="0"/>
-              <a:t>15.01.2023</a:t>
+              <a:t>24.01.2023</a:t>
             </a:fld>
             <a:endParaRPr lang="ru-RU"/>
           </a:p>
@@ -3681,7 +3682,7 @@
           <a:p>
             <a:fld id="{C6799266-992B-4A9C-BFA1-9317552414F5}" type="datetimeFigureOut">
               <a:rPr lang="ru-RU" smtClean="0"/>
-              <a:t>15.01.2023</a:t>
+              <a:t>24.01.2023</a:t>
             </a:fld>
             <a:endParaRPr lang="ru-RU"/>
           </a:p>
@@ -3799,7 +3800,7 @@
           <a:p>
             <a:fld id="{C6799266-992B-4A9C-BFA1-9317552414F5}" type="datetimeFigureOut">
               <a:rPr lang="ru-RU" smtClean="0"/>
-              <a:t>15.01.2023</a:t>
+              <a:t>24.01.2023</a:t>
             </a:fld>
             <a:endParaRPr lang="ru-RU"/>
           </a:p>
@@ -3894,7 +3895,7 @@
           <a:p>
             <a:fld id="{C6799266-992B-4A9C-BFA1-9317552414F5}" type="datetimeFigureOut">
               <a:rPr lang="ru-RU" smtClean="0"/>
-              <a:t>15.01.2023</a:t>
+              <a:t>24.01.2023</a:t>
             </a:fld>
             <a:endParaRPr lang="ru-RU"/>
           </a:p>
@@ -4149,7 +4150,7 @@
           <a:p>
             <a:fld id="{C6799266-992B-4A9C-BFA1-9317552414F5}" type="datetimeFigureOut">
               <a:rPr lang="ru-RU" smtClean="0"/>
-              <a:t>15.01.2023</a:t>
+              <a:t>24.01.2023</a:t>
             </a:fld>
             <a:endParaRPr lang="ru-RU"/>
           </a:p>
@@ -4432,7 +4433,7 @@
           <a:p>
             <a:fld id="{C6799266-992B-4A9C-BFA1-9317552414F5}" type="datetimeFigureOut">
               <a:rPr lang="ru-RU" smtClean="0"/>
-              <a:t>15.01.2023</a:t>
+              <a:t>24.01.2023</a:t>
             </a:fld>
             <a:endParaRPr lang="ru-RU"/>
           </a:p>
@@ -4838,7 +4839,7 @@
           <a:p>
             <a:fld id="{C6799266-992B-4A9C-BFA1-9317552414F5}" type="datetimeFigureOut">
               <a:rPr lang="ru-RU" smtClean="0"/>
-              <a:t>15.01.2023</a:t>
+              <a:t>24.01.2023</a:t>
             </a:fld>
             <a:endParaRPr lang="ru-RU"/>
           </a:p>
@@ -5460,7 +5461,7 @@
         </p:nvSpPr>
         <p:spPr>
           <a:xfrm>
-            <a:off x="623252" y="4861802"/>
+            <a:off x="801187" y="4461207"/>
             <a:ext cx="8534400" cy="1507067"/>
           </a:xfrm>
         </p:spPr>
@@ -5469,7 +5470,7 @@
           <a:lstStyle/>
           <a:p>
             <a:r>
-              <a:rPr lang="ru-RU" dirty="0"/>
+              <a:rPr lang="ru-RU" b="1" dirty="0"/>
               <a:t>Общая идея</a:t>
             </a:r>
           </a:p>
@@ -5487,36 +5488,38 @@
         </p:nvSpPr>
         <p:spPr>
           <a:xfrm>
-            <a:off x="278674" y="241662"/>
-            <a:ext cx="8534400" cy="3615267"/>
+            <a:off x="278673" y="241662"/>
+            <a:ext cx="9126583" cy="3615267"/>
           </a:xfrm>
         </p:spPr>
         <p:txBody>
-          <a:bodyPr/>
-          <a:lstStyle/>
-          <a:p>
-            <a:r>
-              <a:rPr lang="ru-RU" dirty="0"/>
+          <a:bodyPr>
+            <a:normAutofit/>
+          </a:bodyPr>
+          <a:lstStyle/>
+          <a:p>
+            <a:r>
+              <a:rPr lang="ru-RU" sz="2400" b="1" dirty="0"/>
               <a:t>Суть игры в том, чтобы </a:t>
             </a:r>
             <a:r>
-              <a:rPr lang="en-US" dirty="0"/>
+              <a:rPr lang="en-US" sz="2400" b="1" dirty="0"/>
               <a:t>packman </a:t>
             </a:r>
             <a:r>
-              <a:rPr lang="ru-RU" dirty="0"/>
+              <a:rPr lang="ru-RU" sz="2400" b="1" dirty="0"/>
               <a:t>съел все точки и набрал максимальное количество баллов</a:t>
             </a:r>
           </a:p>
           <a:p>
             <a:r>
-              <a:rPr lang="ru-RU" dirty="0"/>
+              <a:rPr lang="ru-RU" sz="2400" b="1" dirty="0"/>
               <a:t>Герой не должен попасться призракам</a:t>
             </a:r>
           </a:p>
           <a:p>
             <a:r>
-              <a:rPr lang="ru-RU" dirty="0"/>
+              <a:rPr lang="ru-RU" sz="2400" b="1" dirty="0"/>
               <a:t>Также игрок может испугать призраков, съев большую точку энерджайзер</a:t>
             </a:r>
           </a:p>
@@ -5568,7 +5571,7 @@
           <a:lstStyle/>
           <a:p>
             <a:r>
-              <a:rPr lang="ru-RU" dirty="0"/>
+              <a:rPr lang="ru-RU" b="1" dirty="0"/>
               <a:t>Игровой процесс</a:t>
             </a:r>
           </a:p>
@@ -5587,26 +5590,42 @@
         <p:spPr>
           <a:xfrm>
             <a:off x="684212" y="685800"/>
-            <a:ext cx="4514805" cy="3615267"/>
+            <a:ext cx="6812235" cy="3615267"/>
           </a:xfrm>
         </p:spPr>
         <p:txBody>
-          <a:bodyPr/>
-          <a:lstStyle/>
-          <a:p>
-            <a:r>
-              <a:rPr lang="ru-RU" dirty="0"/>
-              <a:t>При запуске программы пользователя встречает окно игры. Чтобы начать игру надо нажать на пробел</a:t>
+          <a:bodyPr>
+            <a:normAutofit/>
+          </a:bodyPr>
+          <a:lstStyle/>
+          <a:p>
+            <a:r>
+              <a:rPr lang="ru-RU" sz="2400" b="1" dirty="0"/>
+              <a:t>При запуске программы пользователя встречает стартовое окно, на котором расписаны основные правила игры</a:t>
+            </a:r>
+          </a:p>
+          <a:p>
+            <a:r>
+              <a:rPr lang="en-US" sz="2400" b="1" dirty="0"/>
+              <a:t>T</a:t>
+            </a:r>
+            <a:r>
+              <a:rPr lang="ru-RU" sz="2400" b="1" dirty="0" err="1"/>
+              <a:t>акже</a:t>
+            </a:r>
+            <a:r>
+              <a:rPr lang="ru-RU" sz="2400" b="1" dirty="0"/>
+              <a:t> в игре присутствуют звуковые эффекты</a:t>
             </a:r>
           </a:p>
         </p:txBody>
       </p:sp>
       <p:pic>
         <p:nvPicPr>
-          <p:cNvPr id="6" name="Рисунок 5">
+          <p:cNvPr id="5" name="Рисунок 4">
             <a:extLst>
               <a:ext uri="{FF2B5EF4-FFF2-40B4-BE49-F238E27FC236}">
-                <a16:creationId xmlns:a16="http://schemas.microsoft.com/office/drawing/2014/main" id="{BD928DC6-20B2-E7F4-E74F-02763736BA2F}"/>
+                <a16:creationId xmlns:a16="http://schemas.microsoft.com/office/drawing/2014/main" id="{4377C24D-78C5-3AF4-5BF9-5B36E204AE21}"/>
               </a:ext>
             </a:extLst>
           </p:cNvPr>
@@ -5623,8 +5642,8 @@
         </p:blipFill>
         <p:spPr>
           <a:xfrm>
-            <a:off x="7638184" y="552450"/>
-            <a:ext cx="4286250" cy="5753100"/>
+            <a:off x="7496447" y="542925"/>
+            <a:ext cx="4305300" cy="5772150"/>
           </a:xfrm>
           <a:prstGeom prst="rect">
             <a:avLst/>
@@ -5677,7 +5696,7 @@
           <a:lstStyle/>
           <a:p>
             <a:r>
-              <a:rPr lang="ru-RU" dirty="0"/>
+              <a:rPr lang="ru-RU" b="1" dirty="0"/>
               <a:t>Игровой процесс</a:t>
             </a:r>
           </a:p>
@@ -5696,27 +5715,35 @@
         <p:spPr>
           <a:xfrm>
             <a:off x="684212" y="685800"/>
-            <a:ext cx="4540931" cy="3615267"/>
+            <a:ext cx="6456817" cy="3615267"/>
           </a:xfrm>
         </p:spPr>
         <p:txBody>
-          <a:bodyPr/>
-          <a:lstStyle/>
-          <a:p>
-            <a:r>
-              <a:rPr lang="ru-RU" dirty="0"/>
+          <a:bodyPr>
+            <a:noAutofit/>
+          </a:bodyPr>
+          <a:lstStyle/>
+          <a:p>
+            <a:r>
+              <a:rPr lang="ru-RU" sz="2400" b="1" dirty="0"/>
               <a:t>После начала игры игрок должен собрать все точки. В этом ему будут мешать призраки</a:t>
             </a:r>
           </a:p>
           <a:p>
             <a:r>
-              <a:rPr lang="ru-RU" dirty="0"/>
+              <a:rPr lang="ru-RU" sz="2400" b="1" dirty="0"/>
+              <a:t>Сверху экрана находится лучший результат игрока за все время</a:t>
+            </a:r>
+          </a:p>
+          <a:p>
+            <a:r>
+              <a:rPr lang="ru-RU" sz="2400" b="1" dirty="0"/>
               <a:t>Всего у игрока 5 жизней</a:t>
             </a:r>
           </a:p>
           <a:p>
             <a:r>
-              <a:rPr lang="ru-RU" dirty="0"/>
+              <a:rPr lang="ru-RU" sz="2400" b="1" dirty="0"/>
               <a:t>На карте иногда могут появляться фрукты, собрав которые можно получить дополнительные очки</a:t>
             </a:r>
           </a:p>
@@ -5724,10 +5751,10 @@
       </p:sp>
       <p:pic>
         <p:nvPicPr>
-          <p:cNvPr id="10" name="Рисунок 9">
+          <p:cNvPr id="5" name="Рисунок 4">
             <a:extLst>
               <a:ext uri="{FF2B5EF4-FFF2-40B4-BE49-F238E27FC236}">
-                <a16:creationId xmlns:a16="http://schemas.microsoft.com/office/drawing/2014/main" id="{3C1EFDD1-A815-EFB1-E700-C313C0761A12}"/>
+                <a16:creationId xmlns:a16="http://schemas.microsoft.com/office/drawing/2014/main" id="{6B621C20-7EC1-64D6-8699-0CF5C4C28F55}"/>
               </a:ext>
             </a:extLst>
           </p:cNvPr>
@@ -5744,8 +5771,8 @@
         </p:blipFill>
         <p:spPr>
           <a:xfrm>
-            <a:off x="7402801" y="552450"/>
-            <a:ext cx="4276725" cy="5753100"/>
+            <a:off x="7540806" y="272142"/>
+            <a:ext cx="4286250" cy="5791200"/>
           </a:xfrm>
           <a:prstGeom prst="rect">
             <a:avLst/>
@@ -5798,7 +5825,7 @@
           <a:lstStyle/>
           <a:p>
             <a:r>
-              <a:rPr lang="ru-RU" dirty="0"/>
+              <a:rPr lang="ru-RU" b="1" dirty="0"/>
               <a:t>Игровой процесс</a:t>
             </a:r>
           </a:p>
@@ -5817,7 +5844,7 @@
         <p:spPr>
           <a:xfrm>
             <a:off x="684211" y="685800"/>
-            <a:ext cx="3721533" cy="4172527"/>
+            <a:ext cx="6038806" cy="4172527"/>
           </a:xfrm>
         </p:spPr>
         <p:txBody>
@@ -5827,27 +5854,27 @@
           <a:lstStyle/>
           <a:p>
             <a:r>
-              <a:rPr lang="ru-RU" dirty="0"/>
+              <a:rPr lang="ru-RU" sz="2400" b="1" dirty="0"/>
               <a:t>Также игрок может съесть большую точку, тем самым испугав призраков.</a:t>
             </a:r>
           </a:p>
           <a:p>
             <a:r>
-              <a:rPr lang="ru-RU" dirty="0"/>
+              <a:rPr lang="ru-RU" sz="2400" b="1" dirty="0"/>
               <a:t>В этот момент </a:t>
             </a:r>
             <a:r>
-              <a:rPr lang="en-US" dirty="0"/>
+              <a:rPr lang="en-US" sz="2400" b="1" dirty="0"/>
               <a:t>packman </a:t>
             </a:r>
             <a:r>
-              <a:rPr lang="ru-RU" dirty="0"/>
+              <a:rPr lang="ru-RU" sz="2400" b="1" dirty="0"/>
               <a:t>может есть призраков</a:t>
             </a:r>
           </a:p>
           <a:p>
             <a:r>
-              <a:rPr lang="ru-RU" dirty="0"/>
+              <a:rPr lang="ru-RU" sz="2400" b="1" dirty="0"/>
               <a:t>За съедение каждого привидения даётся 200, 400, 800 и 1600 соответственно</a:t>
             </a:r>
           </a:p>
@@ -5855,10 +5882,10 @@
       </p:sp>
       <p:pic>
         <p:nvPicPr>
-          <p:cNvPr id="6" name="Рисунок 5">
+          <p:cNvPr id="8" name="Рисунок 7">
             <a:extLst>
               <a:ext uri="{FF2B5EF4-FFF2-40B4-BE49-F238E27FC236}">
-                <a16:creationId xmlns:a16="http://schemas.microsoft.com/office/drawing/2014/main" id="{C9022B82-1F72-651F-CFC0-87662E6AE818}"/>
+                <a16:creationId xmlns:a16="http://schemas.microsoft.com/office/drawing/2014/main" id="{0D70EFC0-C1CC-A27D-F591-3B0EF7F0943F}"/>
               </a:ext>
             </a:extLst>
           </p:cNvPr>
@@ -5875,8 +5902,8 @@
         </p:blipFill>
         <p:spPr>
           <a:xfrm>
-            <a:off x="7426040" y="538162"/>
-            <a:ext cx="4257675" cy="5781675"/>
+            <a:off x="7133408" y="285750"/>
+            <a:ext cx="4648200" cy="6286500"/>
           </a:xfrm>
           <a:prstGeom prst="rect">
             <a:avLst/>
@@ -5923,13 +5950,18 @@
             <p:ph type="title"/>
           </p:nvPr>
         </p:nvSpPr>
-        <p:spPr/>
+        <p:spPr>
+          <a:xfrm>
+            <a:off x="684212" y="4504749"/>
+            <a:ext cx="8534400" cy="1507067"/>
+          </a:xfrm>
+        </p:spPr>
         <p:txBody>
           <a:bodyPr/>
           <a:lstStyle/>
           <a:p>
             <a:r>
-              <a:rPr lang="ru-RU" dirty="0"/>
+              <a:rPr lang="ru-RU" b="1" dirty="0"/>
               <a:t>Игровой процесс</a:t>
             </a:r>
           </a:p>
@@ -5952,25 +5984,27 @@
           </a:xfrm>
         </p:spPr>
         <p:txBody>
-          <a:bodyPr/>
-          <a:lstStyle/>
-          <a:p>
-            <a:r>
-              <a:rPr lang="ru-RU" dirty="0"/>
+          <a:bodyPr>
+            <a:normAutofit/>
+          </a:bodyPr>
+          <a:lstStyle/>
+          <a:p>
+            <a:r>
+              <a:rPr lang="ru-RU" sz="2400" b="1" dirty="0"/>
               <a:t>После того, как игрок съел все точки, он попадает на следующий уровень</a:t>
             </a:r>
           </a:p>
           <a:p>
             <a:r>
-              <a:rPr lang="ru-RU" dirty="0"/>
+              <a:rPr lang="ru-RU" sz="2400" b="1" dirty="0"/>
               <a:t>Уровни находятся в текстовых файлах в папке </a:t>
             </a:r>
             <a:r>
-              <a:rPr lang="en-US" dirty="0"/>
+              <a:rPr lang="en-US" sz="2400" b="1" dirty="0"/>
               <a:t>levels</a:t>
             </a:r>
             <a:r>
-              <a:rPr lang="ru-RU" dirty="0"/>
+              <a:rPr lang="ru-RU" sz="2400" b="1" dirty="0"/>
               <a:t>. Можно создавать новые и редактировать старые</a:t>
             </a:r>
           </a:p>
@@ -5978,55 +6012,180 @@
       </p:sp>
       <p:pic>
         <p:nvPicPr>
-          <p:cNvPr id="1026" name="Picture 2">
+          <p:cNvPr id="5" name="Рисунок 4">
             <a:extLst>
               <a:ext uri="{FF2B5EF4-FFF2-40B4-BE49-F238E27FC236}">
-                <a16:creationId xmlns:a16="http://schemas.microsoft.com/office/drawing/2014/main" id="{43936EF5-C319-4315-A200-AA5C47C017FE}"/>
+                <a16:creationId xmlns:a16="http://schemas.microsoft.com/office/drawing/2014/main" id="{4767EDE8-D388-3FB7-6E7F-26C0A90658E8}"/>
               </a:ext>
             </a:extLst>
           </p:cNvPr>
           <p:cNvPicPr>
-            <a:picLocks noChangeAspect="1" noChangeArrowheads="1"/>
+            <a:picLocks noChangeAspect="1"/>
           </p:cNvPicPr>
           <p:nvPr/>
         </p:nvPicPr>
         <p:blipFill>
-          <a:blip r:embed="rId2">
-            <a:extLst>
-              <a:ext uri="{28A0092B-C50C-407E-A947-70E740481C1C}">
-                <a14:useLocalDpi xmlns:a14="http://schemas.microsoft.com/office/drawing/2010/main" val="0"/>
-              </a:ext>
-            </a:extLst>
-          </a:blip>
-          <a:srcRect/>
+          <a:blip r:embed="rId2"/>
           <a:stretch>
             <a:fillRect/>
           </a:stretch>
         </p:blipFill>
-        <p:spPr bwMode="auto">
+        <p:spPr>
           <a:xfrm>
-            <a:off x="7412327" y="436275"/>
-            <a:ext cx="4257675" cy="5800725"/>
+            <a:off x="7221538" y="359228"/>
+            <a:ext cx="4286250" cy="5791200"/>
           </a:xfrm>
           <a:prstGeom prst="rect">
             <a:avLst/>
           </a:prstGeom>
-          <a:noFill/>
-          <a:extLst>
-            <a:ext uri="{909E8E84-426E-40DD-AFC4-6F175D3DCCD1}">
-              <a14:hiddenFill xmlns:a14="http://schemas.microsoft.com/office/drawing/2010/main">
-                <a:solidFill>
-                  <a:srgbClr val="FFFFFF"/>
-                </a:solidFill>
-              </a14:hiddenFill>
-            </a:ext>
-          </a:extLst>
         </p:spPr>
       </p:pic>
     </p:spTree>
     <p:extLst>
       <p:ext uri="{BB962C8B-B14F-4D97-AF65-F5344CB8AC3E}">
         <p14:creationId xmlns:p14="http://schemas.microsoft.com/office/powerpoint/2010/main" val="1115938607"/>
+      </p:ext>
+    </p:extLst>
+  </p:cSld>
+  <p:clrMapOvr>
+    <a:masterClrMapping/>
+  </p:clrMapOvr>
+</p:sld>
+</file>
+
+<file path=ppt/slides/slide7.xml><?xml version="1.0" encoding="utf-8"?>
+<p:sld xmlns:a="http://schemas.openxmlformats.org/drawingml/2006/main" xmlns:r="http://schemas.openxmlformats.org/officeDocument/2006/relationships" xmlns:p="http://schemas.openxmlformats.org/presentationml/2006/main">
+  <p:cSld>
+    <p:spTree>
+      <p:nvGrpSpPr>
+        <p:cNvPr id="1" name=""/>
+        <p:cNvGrpSpPr/>
+        <p:nvPr/>
+      </p:nvGrpSpPr>
+      <p:grpSpPr>
+        <a:xfrm>
+          <a:off x="0" y="0"/>
+          <a:ext cx="0" cy="0"/>
+          <a:chOff x="0" y="0"/>
+          <a:chExt cx="0" cy="0"/>
+        </a:xfrm>
+      </p:grpSpPr>
+      <p:sp>
+        <p:nvSpPr>
+          <p:cNvPr id="3" name="Объект 2">
+            <a:extLst>
+              <a:ext uri="{FF2B5EF4-FFF2-40B4-BE49-F238E27FC236}">
+                <a16:creationId xmlns:a16="http://schemas.microsoft.com/office/drawing/2014/main" id="{DC145EED-FB32-EE18-AC99-CC64411B03B3}"/>
+              </a:ext>
+            </a:extLst>
+          </p:cNvPr>
+          <p:cNvSpPr>
+            <a:spLocks noGrp="1"/>
+          </p:cNvSpPr>
+          <p:nvPr>
+            <p:ph idx="1"/>
+          </p:nvPr>
+        </p:nvSpPr>
+        <p:spPr>
+          <a:xfrm>
+            <a:off x="684213" y="685800"/>
+            <a:ext cx="5046028" cy="3615267"/>
+          </a:xfrm>
+        </p:spPr>
+        <p:txBody>
+          <a:bodyPr>
+            <a:normAutofit/>
+          </a:bodyPr>
+          <a:lstStyle/>
+          <a:p>
+            <a:r>
+              <a:rPr lang="ru-RU" sz="2400" b="1" dirty="0"/>
+              <a:t>Также после потери всех 5 жизней игра завершается и слева наезжает картинка </a:t>
+            </a:r>
+            <a:r>
+              <a:rPr lang="en-US" sz="2400" b="1" dirty="0"/>
+              <a:t>Game Over</a:t>
+            </a:r>
+            <a:endParaRPr lang="ru-RU" sz="2400" b="1" dirty="0"/>
+          </a:p>
+          <a:p>
+            <a:r>
+              <a:rPr lang="ru-RU" sz="2400" b="1" dirty="0"/>
+              <a:t>После нажатия на любую клавишу, игра начинается снова</a:t>
+            </a:r>
+          </a:p>
+        </p:txBody>
+      </p:sp>
+      <p:pic>
+        <p:nvPicPr>
+          <p:cNvPr id="5" name="Рисунок 4">
+            <a:extLst>
+              <a:ext uri="{FF2B5EF4-FFF2-40B4-BE49-F238E27FC236}">
+                <a16:creationId xmlns:a16="http://schemas.microsoft.com/office/drawing/2014/main" id="{771B76F4-A61E-1EE9-A826-53F3A80792BD}"/>
+              </a:ext>
+            </a:extLst>
+          </p:cNvPr>
+          <p:cNvPicPr>
+            <a:picLocks noChangeAspect="1"/>
+          </p:cNvPicPr>
+          <p:nvPr/>
+        </p:nvPicPr>
+        <p:blipFill>
+          <a:blip r:embed="rId2"/>
+          <a:stretch>
+            <a:fillRect/>
+          </a:stretch>
+        </p:blipFill>
+        <p:spPr>
+          <a:xfrm>
+            <a:off x="7432177" y="361950"/>
+            <a:ext cx="4267200" cy="5810250"/>
+          </a:xfrm>
+          <a:prstGeom prst="rect">
+            <a:avLst/>
+          </a:prstGeom>
+        </p:spPr>
+      </p:pic>
+      <p:sp>
+        <p:nvSpPr>
+          <p:cNvPr id="7" name="TextBox 6">
+            <a:extLst>
+              <a:ext uri="{FF2B5EF4-FFF2-40B4-BE49-F238E27FC236}">
+                <a16:creationId xmlns:a16="http://schemas.microsoft.com/office/drawing/2014/main" id="{FB4727B5-46C6-59DE-1087-4B9CB04D441C}"/>
+              </a:ext>
+            </a:extLst>
+          </p:cNvPr>
+          <p:cNvSpPr txBox="1"/>
+          <p:nvPr/>
+        </p:nvSpPr>
+        <p:spPr>
+          <a:xfrm>
+            <a:off x="684212" y="4918559"/>
+            <a:ext cx="6387148" cy="646331"/>
+          </a:xfrm>
+          <a:prstGeom prst="rect">
+            <a:avLst/>
+          </a:prstGeom>
+          <a:noFill/>
+        </p:spPr>
+        <p:txBody>
+          <a:bodyPr wrap="square">
+            <a:spAutoFit/>
+          </a:bodyPr>
+          <a:lstStyle/>
+          <a:p>
+            <a:r>
+              <a:rPr lang="ru-RU" sz="3600" b="1" dirty="0"/>
+              <a:t>ИГРОВОЙ ПРОЦЕСС</a:t>
+            </a:r>
+            <a:endParaRPr lang="ru-RU" sz="3600" dirty="0"/>
+          </a:p>
+        </p:txBody>
+      </p:sp>
+    </p:spTree>
+    <p:extLst>
+      <p:ext uri="{BB962C8B-B14F-4D97-AF65-F5344CB8AC3E}">
+        <p14:creationId xmlns:p14="http://schemas.microsoft.com/office/powerpoint/2010/main" val="4209823205"/>
       </p:ext>
     </p:extLst>
   </p:cSld>
